--- a/BONNEAU MONNIER JS.pptx
+++ b/BONNEAU MONNIER JS.pptx
@@ -109,10 +109,6 @@
     </a:lvl9pPr>
   </p:defaultTextStyle>
 </p:presentation>
-</file>
-
-<file path=ppt/revisionInfo.xml><?xml version="1.0" encoding="utf-8"?>
-<p1510:revInfo xmlns:a="http://schemas.openxmlformats.org/drawingml/2006/main" xmlns:r="http://schemas.openxmlformats.org/officeDocument/2006/relationships" xmlns:p1510="http://schemas.microsoft.com/office/powerpoint/2015/10/main"/>
 </file>
 
 <file path=ppt/slideLayouts/slideLayout1.xml><?xml version="1.0" encoding="utf-8"?>
@@ -6628,7 +6624,7 @@
               <a:buNone/>
             </a:pPr>
             <a:r>
-              <a:rPr lang="fr-FR"/>
+              <a:rPr lang="fr-FR" dirty="0"/>
               <a:t>Cyril</a:t>
             </a:r>
           </a:p>
@@ -6637,18 +6633,27 @@
               <a:buFont typeface="Wingdings 3" charset="2"/>
               <a:buNone/>
             </a:pPr>
-            <a:endParaRPr lang="fr-FR"/>
-          </a:p>
-          <a:p>
-            <a:pPr marL="0" indent="0" algn="ctr">
-              <a:buFont typeface="Wingdings 3" charset="2"/>
-              <a:buNone/>
+            <a:endParaRPr lang="fr-FR" dirty="0"/>
+          </a:p>
+          <a:p>
+            <a:pPr algn="ctr">
+              <a:buFontTx/>
+              <a:buChar char="-"/>
             </a:pPr>
             <a:r>
-              <a:rPr lang="fr-FR"/>
-              <a:t>- CSS/HTML</a:t>
-            </a:r>
-            <a:endParaRPr lang="fr-FR" dirty="0"/>
+              <a:rPr lang="fr-FR" dirty="0"/>
+              <a:t>Gestions des scores</a:t>
+            </a:r>
+          </a:p>
+          <a:p>
+            <a:pPr algn="ctr">
+              <a:buFontTx/>
+              <a:buChar char="-"/>
+            </a:pPr>
+            <a:r>
+              <a:rPr lang="fr-FR" dirty="0"/>
+              <a:t>Design</a:t>
+            </a:r>
           </a:p>
         </p:txBody>
       </p:sp>
@@ -6918,13 +6923,33 @@
             <a:endParaRPr lang="fr-FR" dirty="0"/>
           </a:p>
           <a:p>
-            <a:pPr marL="0" indent="0" algn="ctr">
-              <a:buFont typeface="Wingdings 3" charset="2"/>
-              <a:buNone/>
+            <a:pPr algn="ctr">
+              <a:buFontTx/>
+              <a:buChar char="-"/>
             </a:pPr>
             <a:r>
               <a:rPr lang="fr-FR" dirty="0"/>
-              <a:t>- JS/HTML</a:t>
+              <a:t>Déroulement de la partie</a:t>
+            </a:r>
+          </a:p>
+          <a:p>
+            <a:pPr algn="ctr">
+              <a:buFontTx/>
+              <a:buChar char="-"/>
+            </a:pPr>
+            <a:r>
+              <a:rPr lang="fr-FR" dirty="0"/>
+              <a:t>Gestions de l’aléatoire</a:t>
+            </a:r>
+          </a:p>
+          <a:p>
+            <a:pPr algn="ctr">
+              <a:buFontTx/>
+              <a:buChar char="-"/>
+            </a:pPr>
+            <a:r>
+              <a:rPr lang="fr-FR" dirty="0"/>
+              <a:t>Design</a:t>
             </a:r>
           </a:p>
         </p:txBody>

--- a/BONNEAU MONNIER JS.pptx
+++ b/BONNEAU MONNIER JS.pptx
@@ -7160,6 +7160,12 @@
             </a:r>
           </a:p>
           <a:p>
+            <a:r>
+              <a:rPr lang="fr-FR" dirty="0"/>
+              <a:t>Difficultés rencontrées</a:t>
+            </a:r>
+          </a:p>
+          <a:p>
             <a:endParaRPr lang="fr-FR" dirty="0"/>
           </a:p>
         </p:txBody>
